--- a/Docs/Real-time Global Illumination.pptx
+++ b/Docs/Real-time Global Illumination.pptx
@@ -264,7 +264,7 @@
           <a:p>
             <a:fld id="{AD918A73-5130-4E38-8C1E-6F9D4DCD043E}" type="datetimeFigureOut">
               <a:rPr lang="en-US" smtClean="0"/>
-              <a:t>12/1/2014</a:t>
+              <a:t>12/2/2014</a:t>
             </a:fld>
             <a:endParaRPr lang="en-US"/>
           </a:p>
@@ -441,7 +441,7 @@
           <a:p>
             <a:fld id="{AD918A73-5130-4E38-8C1E-6F9D4DCD043E}" type="datetimeFigureOut">
               <a:rPr lang="en-US" smtClean="0"/>
-              <a:t>12/1/2014</a:t>
+              <a:t>12/2/2014</a:t>
             </a:fld>
             <a:endParaRPr lang="en-US"/>
           </a:p>
@@ -621,7 +621,7 @@
           <a:p>
             <a:fld id="{AD918A73-5130-4E38-8C1E-6F9D4DCD043E}" type="datetimeFigureOut">
               <a:rPr lang="en-US" smtClean="0"/>
-              <a:t>12/1/2014</a:t>
+              <a:t>12/2/2014</a:t>
             </a:fld>
             <a:endParaRPr lang="en-US"/>
           </a:p>
@@ -837,7 +837,7 @@
           <a:p>
             <a:fld id="{AD918A73-5130-4E38-8C1E-6F9D4DCD043E}" type="datetimeFigureOut">
               <a:rPr lang="en-US" smtClean="0"/>
-              <a:t>12/1/2014</a:t>
+              <a:t>12/2/2014</a:t>
             </a:fld>
             <a:endParaRPr lang="en-US"/>
           </a:p>
@@ -1083,7 +1083,7 @@
           <a:p>
             <a:fld id="{AD918A73-5130-4E38-8C1E-6F9D4DCD043E}" type="datetimeFigureOut">
               <a:rPr lang="en-US" smtClean="0"/>
-              <a:t>12/1/2014</a:t>
+              <a:t>12/2/2014</a:t>
             </a:fld>
             <a:endParaRPr lang="en-US"/>
           </a:p>
@@ -1315,7 +1315,7 @@
           <a:p>
             <a:fld id="{AD918A73-5130-4E38-8C1E-6F9D4DCD043E}" type="datetimeFigureOut">
               <a:rPr lang="en-US" smtClean="0"/>
-              <a:t>12/1/2014</a:t>
+              <a:t>12/2/2014</a:t>
             </a:fld>
             <a:endParaRPr lang="en-US"/>
           </a:p>
@@ -1682,7 +1682,7 @@
           <a:p>
             <a:fld id="{AD918A73-5130-4E38-8C1E-6F9D4DCD043E}" type="datetimeFigureOut">
               <a:rPr lang="en-US" smtClean="0"/>
-              <a:t>12/1/2014</a:t>
+              <a:t>12/2/2014</a:t>
             </a:fld>
             <a:endParaRPr lang="en-US"/>
           </a:p>
@@ -1800,7 +1800,7 @@
           <a:p>
             <a:fld id="{AD918A73-5130-4E38-8C1E-6F9D4DCD043E}" type="datetimeFigureOut">
               <a:rPr lang="en-US" smtClean="0"/>
-              <a:t>12/1/2014</a:t>
+              <a:t>12/2/2014</a:t>
             </a:fld>
             <a:endParaRPr lang="en-US"/>
           </a:p>
@@ -1895,7 +1895,7 @@
           <a:p>
             <a:fld id="{AD918A73-5130-4E38-8C1E-6F9D4DCD043E}" type="datetimeFigureOut">
               <a:rPr lang="en-US" smtClean="0"/>
-              <a:t>12/1/2014</a:t>
+              <a:t>12/2/2014</a:t>
             </a:fld>
             <a:endParaRPr lang="en-US"/>
           </a:p>
@@ -2172,7 +2172,7 @@
           <a:p>
             <a:fld id="{AD918A73-5130-4E38-8C1E-6F9D4DCD043E}" type="datetimeFigureOut">
               <a:rPr lang="en-US" smtClean="0"/>
-              <a:t>12/1/2014</a:t>
+              <a:t>12/2/2014</a:t>
             </a:fld>
             <a:endParaRPr lang="en-US"/>
           </a:p>
@@ -2425,7 +2425,7 @@
           <a:p>
             <a:fld id="{AD918A73-5130-4E38-8C1E-6F9D4DCD043E}" type="datetimeFigureOut">
               <a:rPr lang="en-US" smtClean="0"/>
-              <a:t>12/1/2014</a:t>
+              <a:t>12/2/2014</a:t>
             </a:fld>
             <a:endParaRPr lang="en-US"/>
           </a:p>
@@ -2641,7 +2641,7 @@
           <a:p>
             <a:fld id="{AD918A73-5130-4E38-8C1E-6F9D4DCD043E}" type="datetimeFigureOut">
               <a:rPr lang="en-US" smtClean="0"/>
-              <a:t>12/1/2014</a:t>
+              <a:t>12/2/2014</a:t>
             </a:fld>
             <a:endParaRPr lang="en-US"/>
           </a:p>
@@ -11107,8 +11107,8 @@
           </a:p>
         </p:txBody>
       </p:sp>
-      <mc:AlternateContent xmlns:mc="http://schemas.openxmlformats.org/markup-compatibility/2006">
-        <mc:Choice xmlns:a14="http://schemas.microsoft.com/office/drawing/2010/main" Requires="a14">
+      <mc:AlternateContent xmlns:mc="http://schemas.openxmlformats.org/markup-compatibility/2006" xmlns:a14="http://schemas.microsoft.com/office/drawing/2010/main">
+        <mc:Choice Requires="a14">
           <p:sp>
             <p:nvSpPr>
               <p:cNvPr id="3" name="Content Placeholder 2"/>
@@ -11252,31 +11252,7 @@
                       <a:schemeClr val="bg1"/>
                     </a:solidFill>
                   </a:rPr>
-                  <a:t> voxel grid </a:t>
-                </a:r>
-                <a:r>
-                  <a:rPr lang="en-US" dirty="0">
-                    <a:solidFill>
-                      <a:schemeClr val="bg1"/>
-                    </a:solidFill>
-                  </a:rPr>
-                  <a:t>(</a:t>
-                </a:r>
-                <a:r>
-                  <a:rPr lang="en-US" dirty="0">
-                    <a:solidFill>
-                      <a:schemeClr val="bg1"/>
-                    </a:solidFill>
-                  </a:rPr>
-                  <a:t>2</a:t>
-                </a:r>
-                <a:r>
-                  <a:rPr lang="en-US" dirty="0">
-                    <a:solidFill>
-                      <a:schemeClr val="bg1"/>
-                    </a:solidFill>
-                  </a:rPr>
-                  <a:t>.8 </a:t>
+                  <a:t> voxel grid (2.8 </a:t>
                 </a:r>
                 <a:r>
                   <a:rPr lang="en-US" dirty="0" err="1">
@@ -11362,7 +11338,7 @@
             </p:txBody>
           </p:sp>
         </mc:Choice>
-        <mc:Fallback>
+        <mc:Fallback xmlns="">
           <p:sp>
             <p:nvSpPr>
               <p:cNvPr id="3" name="Content Placeholder 2"/>
@@ -12171,8 +12147,8 @@
           </a:p>
         </p:txBody>
       </p:sp>
-      <mc:AlternateContent xmlns:mc="http://schemas.openxmlformats.org/markup-compatibility/2006" xmlns:a14="http://schemas.microsoft.com/office/drawing/2010/main">
-        <mc:Choice Requires="a14">
+      <mc:AlternateContent xmlns:mc="http://schemas.openxmlformats.org/markup-compatibility/2006">
+        <mc:Choice xmlns:a14="http://schemas.microsoft.com/office/drawing/2010/main" Requires="a14">
           <p:sp>
             <p:nvSpPr>
               <p:cNvPr id="6" name="Content Placeholder 5"/>
@@ -12960,11 +12936,48 @@
                   <a:rPr lang="en-US" b="0" dirty="0" smtClean="0"/>
                   <a:t> </a:t>
                 </a:r>
+                <a:endParaRPr lang="en-US" b="0" dirty="0" smtClean="0"/>
+              </a:p>
+              <a:p>
+                <a14:m>
+                  <m:oMath xmlns:m="http://schemas.openxmlformats.org/officeDocument/2006/math">
+                    <m:sSub>
+                      <m:sSubPr>
+                        <m:ctrlPr>
+                          <a:rPr lang="en-US" b="0" i="1" smtClean="0">
+                            <a:latin typeface="Cambria Math" panose="02040503050406030204" pitchFamily="18" charset="0"/>
+                          </a:rPr>
+                        </m:ctrlPr>
+                      </m:sSubPr>
+                      <m:e>
+                        <m:r>
+                          <a:rPr lang="en-US" b="0" i="1" smtClean="0">
+                            <a:latin typeface="Cambria Math" panose="02040503050406030204" pitchFamily="18" charset="0"/>
+                          </a:rPr>
+                          <m:t>𝑓</m:t>
+                        </m:r>
+                      </m:e>
+                      <m:sub>
+                        <m:r>
+                          <a:rPr lang="en-US" b="0" i="1" smtClean="0">
+                            <a:latin typeface="Cambria Math" panose="02040503050406030204" pitchFamily="18" charset="0"/>
+                          </a:rPr>
+                          <m:t>𝑟</m:t>
+                        </m:r>
+                      </m:sub>
+                    </m:sSub>
+                  </m:oMath>
+                </a14:m>
+                <a:r>
+                  <a:rPr lang="en-US" b="0" dirty="0" smtClean="0"/>
+                  <a:t> is bidirectional reflectance distribution function (BRDF)</a:t>
+                </a:r>
+                <a:endParaRPr lang="en-US" b="0" dirty="0" smtClean="0"/>
               </a:p>
             </p:txBody>
           </p:sp>
         </mc:Choice>
-        <mc:Fallback xmlns="">
+        <mc:Fallback>
           <p:sp>
             <p:nvSpPr>
               <p:cNvPr id="6" name="Content Placeholder 5"/>
@@ -19723,8 +19736,8 @@
           </a:p>
         </p:txBody>
       </p:sp>
-      <mc:AlternateContent xmlns:mc="http://schemas.openxmlformats.org/markup-compatibility/2006" xmlns:a14="http://schemas.microsoft.com/office/drawing/2010/main">
-        <mc:Choice Requires="a14">
+      <mc:AlternateContent xmlns:mc="http://schemas.openxmlformats.org/markup-compatibility/2006">
+        <mc:Choice xmlns:a14="http://schemas.microsoft.com/office/drawing/2010/main" Requires="a14">
           <p:sp>
             <p:nvSpPr>
               <p:cNvPr id="3" name="Content Placeholder 2"/>
@@ -20253,12 +20266,114 @@
                     </m:oMath>
                   </m:oMathPara>
                 </a14:m>
+                <a:endParaRPr lang="en-US" dirty="0" smtClean="0"/>
+              </a:p>
+              <a:p>
+                <a:pPr marL="0" indent="0">
+                  <a:buNone/>
+                </a:pPr>
+                <a:endParaRPr lang="en-US" dirty="0"/>
+              </a:p>
+              <a:p>
+                <a:pPr lvl="1"/>
+                <a14:m>
+                  <m:oMath xmlns:m="http://schemas.openxmlformats.org/officeDocument/2006/math">
+                    <m:r>
+                      <a:rPr lang="en-US" b="0" i="1" smtClean="0">
+                        <a:latin typeface="Cambria Math" panose="02040503050406030204" pitchFamily="18" charset="0"/>
+                      </a:rPr>
+                      <m:t>𝑓</m:t>
+                    </m:r>
+                    <m:d>
+                      <m:dPr>
+                        <m:ctrlPr>
+                          <a:rPr lang="en-US" b="0" i="1" smtClean="0">
+                            <a:latin typeface="Cambria Math" panose="02040503050406030204" pitchFamily="18" charset="0"/>
+                          </a:rPr>
+                        </m:ctrlPr>
+                      </m:dPr>
+                      <m:e>
+                        <m:r>
+                          <a:rPr lang="en-US" b="0" i="1" smtClean="0">
+                            <a:latin typeface="Cambria Math" panose="02040503050406030204" pitchFamily="18" charset="0"/>
+                          </a:rPr>
+                          <m:t>𝑥</m:t>
+                        </m:r>
+                      </m:e>
+                    </m:d>
+                  </m:oMath>
+                </a14:m>
+                <a:r>
+                  <a:rPr lang="en-US" dirty="0" smtClean="0"/>
+                  <a:t> is integrand function</a:t>
+                </a:r>
+              </a:p>
+              <a:p>
+                <a:pPr lvl="1"/>
+                <a14:m>
+                  <m:oMath xmlns:m="http://schemas.openxmlformats.org/officeDocument/2006/math">
+                    <m:r>
+                      <a:rPr lang="en-US" b="0" i="1" smtClean="0">
+                        <a:latin typeface="Cambria Math" panose="02040503050406030204" pitchFamily="18" charset="0"/>
+                      </a:rPr>
+                      <m:t>𝑝</m:t>
+                    </m:r>
+                    <m:d>
+                      <m:dPr>
+                        <m:ctrlPr>
+                          <a:rPr lang="en-US" b="0" i="1" smtClean="0">
+                            <a:latin typeface="Cambria Math" panose="02040503050406030204" pitchFamily="18" charset="0"/>
+                          </a:rPr>
+                        </m:ctrlPr>
+                      </m:dPr>
+                      <m:e>
+                        <m:r>
+                          <a:rPr lang="en-US" b="0" i="1" smtClean="0">
+                            <a:latin typeface="Cambria Math" panose="02040503050406030204" pitchFamily="18" charset="0"/>
+                          </a:rPr>
+                          <m:t>𝑥</m:t>
+                        </m:r>
+                      </m:e>
+                    </m:d>
+                  </m:oMath>
+                </a14:m>
+                <a:r>
+                  <a:rPr lang="en-US" dirty="0" smtClean="0"/>
+                  <a:t> is probability density function (PDF) of </a:t>
+                </a:r>
+                <a14:m>
+                  <m:oMath xmlns:m="http://schemas.openxmlformats.org/officeDocument/2006/math">
+                    <m:r>
+                      <a:rPr lang="en-US" b="0" i="1" smtClean="0">
+                        <a:latin typeface="Cambria Math" panose="02040503050406030204" pitchFamily="18" charset="0"/>
+                      </a:rPr>
+                      <m:t>𝑓</m:t>
+                    </m:r>
+                    <m:d>
+                      <m:dPr>
+                        <m:ctrlPr>
+                          <a:rPr lang="en-US" b="0" i="1" smtClean="0">
+                            <a:latin typeface="Cambria Math" panose="02040503050406030204" pitchFamily="18" charset="0"/>
+                          </a:rPr>
+                        </m:ctrlPr>
+                      </m:dPr>
+                      <m:e>
+                        <m:r>
+                          <a:rPr lang="en-US" b="0" i="1" smtClean="0">
+                            <a:latin typeface="Cambria Math" panose="02040503050406030204" pitchFamily="18" charset="0"/>
+                          </a:rPr>
+                          <m:t>𝑥</m:t>
+                        </m:r>
+                      </m:e>
+                    </m:d>
+                  </m:oMath>
+                </a14:m>
                 <a:endParaRPr lang="en-US" dirty="0"/>
               </a:p>
             </p:txBody>
           </p:sp>
         </mc:Choice>
-        <mc:Fallback xmlns="">
+        <mc:Fallback>
           <p:sp>
             <p:nvSpPr>
               <p:cNvPr id="3" name="Content Placeholder 2"/>
@@ -20374,13 +20489,29 @@
           </a:p>
           <a:p>
             <a:pPr lvl="1"/>
+            <a:endParaRPr lang="en-US" dirty="0" smtClean="0">
+              <a:solidFill>
+                <a:schemeClr val="bg1"/>
+              </a:solidFill>
+            </a:endParaRPr>
+          </a:p>
+          <a:p>
+            <a:pPr lvl="1"/>
             <a:r>
               <a:rPr lang="en-US" dirty="0" smtClean="0">
                 <a:solidFill>
                   <a:schemeClr val="bg1"/>
                 </a:solidFill>
               </a:rPr>
-              <a:t>Many-light based method</a:t>
+              <a:t>Many-light </a:t>
+            </a:r>
+            <a:r>
+              <a:rPr lang="en-US" dirty="0" smtClean="0">
+                <a:solidFill>
+                  <a:schemeClr val="bg1"/>
+                </a:solidFill>
+              </a:rPr>
+              <a:t>based method</a:t>
             </a:r>
           </a:p>
           <a:p>
@@ -20414,12 +20545,19 @@
             </a:r>
           </a:p>
           <a:p>
-            <a:endParaRPr lang="en-US" dirty="0"/>
+            <a:pPr marL="0" indent="0">
+              <a:buNone/>
+            </a:pPr>
+            <a:endParaRPr lang="en-US" dirty="0" smtClean="0"/>
           </a:p>
           <a:p>
             <a:r>
               <a:rPr lang="en-US" dirty="0" smtClean="0"/>
-              <a:t>Real-time Partial Differential Equation (PDE) based Method</a:t>
+              <a:t>Real-time </a:t>
+            </a:r>
+            <a:r>
+              <a:rPr lang="en-US" dirty="0" smtClean="0"/>
+              <a:t>Partial Differential Equation (PDE) based Method</a:t>
             </a:r>
           </a:p>
           <a:p>
